--- a/Starbucks Case Study Analysis/DataDoyen_Ameya.pptx
+++ b/Starbucks Case Study Analysis/DataDoyen_Ameya.pptx
@@ -121,6 +121,35 @@
     </p:ext>
   </p:extLst>
 </p:presentation>
+</file>
+
+<file path=ppt/changesInfos/changesInfo1.xml><?xml version="1.0" encoding="utf-8"?>
+<pc:chgInfo xmlns:a="http://schemas.openxmlformats.org/drawingml/2006/main" xmlns:r="http://schemas.openxmlformats.org/officeDocument/2006/relationships" xmlns:ac="http://schemas.microsoft.com/office/drawing/2013/main/command" xmlns:pc="http://schemas.microsoft.com/office/powerpoint/2013/main/command">
+  <pc:docChgLst>
+    <pc:chgData name="Lasya Chemuru" userId="2842624f5445965d" providerId="LiveId" clId="{CBF5F2D0-E5AA-4E50-B9E7-050E004063BC}"/>
+    <pc:docChg chg="modSld">
+      <pc:chgData name="Lasya Chemuru" userId="2842624f5445965d" providerId="LiveId" clId="{CBF5F2D0-E5AA-4E50-B9E7-050E004063BC}" dt="2025-02-18T09:42:37.630" v="19" actId="20577"/>
+      <pc:docMkLst>
+        <pc:docMk/>
+      </pc:docMkLst>
+      <pc:sldChg chg="modSp mod">
+        <pc:chgData name="Lasya Chemuru" userId="2842624f5445965d" providerId="LiveId" clId="{CBF5F2D0-E5AA-4E50-B9E7-050E004063BC}" dt="2025-02-18T09:42:37.630" v="19" actId="20577"/>
+        <pc:sldMkLst>
+          <pc:docMk/>
+          <pc:sldMk cId="112298355" sldId="271"/>
+        </pc:sldMkLst>
+        <pc:spChg chg="mod">
+          <ac:chgData name="Lasya Chemuru" userId="2842624f5445965d" providerId="LiveId" clId="{CBF5F2D0-E5AA-4E50-B9E7-050E004063BC}" dt="2025-02-18T09:42:37.630" v="19" actId="20577"/>
+          <ac:spMkLst>
+            <pc:docMk/>
+            <pc:sldMk cId="112298355" sldId="271"/>
+            <ac:spMk id="3" creationId="{083EE463-0EF8-3B36-5319-9B23E70BDD7F}"/>
+          </ac:spMkLst>
+        </pc:spChg>
+      </pc:sldChg>
+    </pc:docChg>
+  </pc:docChgLst>
+</pc:chgInfo>
 </file>
 
 <file path=ppt/charts/chart1.xml><?xml version="1.0" encoding="utf-8"?>
@@ -1356,7 +1385,7 @@
           <a:p>
             <a:fld id="{5F252D81-0B37-4C5E-94C6-B5F49D111C80}" type="datetimeFigureOut">
               <a:rPr lang="en-IN" smtClean="0"/>
-              <a:t>12-02-2025</a:t>
+              <a:t>18-02-2025</a:t>
             </a:fld>
             <a:endParaRPr lang="en-IN"/>
           </a:p>
@@ -1556,7 +1585,7 @@
           <a:p>
             <a:fld id="{5F252D81-0B37-4C5E-94C6-B5F49D111C80}" type="datetimeFigureOut">
               <a:rPr lang="en-IN" smtClean="0"/>
-              <a:t>12-02-2025</a:t>
+              <a:t>18-02-2025</a:t>
             </a:fld>
             <a:endParaRPr lang="en-IN"/>
           </a:p>
@@ -1766,7 +1795,7 @@
           <a:p>
             <a:fld id="{5F252D81-0B37-4C5E-94C6-B5F49D111C80}" type="datetimeFigureOut">
               <a:rPr lang="en-IN" smtClean="0"/>
-              <a:t>12-02-2025</a:t>
+              <a:t>18-02-2025</a:t>
             </a:fld>
             <a:endParaRPr lang="en-IN"/>
           </a:p>
@@ -1966,7 +1995,7 @@
           <a:p>
             <a:fld id="{5F252D81-0B37-4C5E-94C6-B5F49D111C80}" type="datetimeFigureOut">
               <a:rPr lang="en-IN" smtClean="0"/>
-              <a:t>12-02-2025</a:t>
+              <a:t>18-02-2025</a:t>
             </a:fld>
             <a:endParaRPr lang="en-IN"/>
           </a:p>
@@ -2242,7 +2271,7 @@
           <a:p>
             <a:fld id="{5F252D81-0B37-4C5E-94C6-B5F49D111C80}" type="datetimeFigureOut">
               <a:rPr lang="en-IN" smtClean="0"/>
-              <a:t>12-02-2025</a:t>
+              <a:t>18-02-2025</a:t>
             </a:fld>
             <a:endParaRPr lang="en-IN"/>
           </a:p>
@@ -2510,7 +2539,7 @@
           <a:p>
             <a:fld id="{5F252D81-0B37-4C5E-94C6-B5F49D111C80}" type="datetimeFigureOut">
               <a:rPr lang="en-IN" smtClean="0"/>
-              <a:t>12-02-2025</a:t>
+              <a:t>18-02-2025</a:t>
             </a:fld>
             <a:endParaRPr lang="en-IN"/>
           </a:p>
@@ -2925,7 +2954,7 @@
           <a:p>
             <a:fld id="{5F252D81-0B37-4C5E-94C6-B5F49D111C80}" type="datetimeFigureOut">
               <a:rPr lang="en-IN" smtClean="0"/>
-              <a:t>12-02-2025</a:t>
+              <a:t>18-02-2025</a:t>
             </a:fld>
             <a:endParaRPr lang="en-IN"/>
           </a:p>
@@ -3067,7 +3096,7 @@
           <a:p>
             <a:fld id="{5F252D81-0B37-4C5E-94C6-B5F49D111C80}" type="datetimeFigureOut">
               <a:rPr lang="en-IN" smtClean="0"/>
-              <a:t>12-02-2025</a:t>
+              <a:t>18-02-2025</a:t>
             </a:fld>
             <a:endParaRPr lang="en-IN"/>
           </a:p>
@@ -3180,7 +3209,7 @@
           <a:p>
             <a:fld id="{5F252D81-0B37-4C5E-94C6-B5F49D111C80}" type="datetimeFigureOut">
               <a:rPr lang="en-IN" smtClean="0"/>
-              <a:t>12-02-2025</a:t>
+              <a:t>18-02-2025</a:t>
             </a:fld>
             <a:endParaRPr lang="en-IN"/>
           </a:p>
@@ -3493,7 +3522,7 @@
           <a:p>
             <a:fld id="{5F252D81-0B37-4C5E-94C6-B5F49D111C80}" type="datetimeFigureOut">
               <a:rPr lang="en-IN" smtClean="0"/>
-              <a:t>12-02-2025</a:t>
+              <a:t>18-02-2025</a:t>
             </a:fld>
             <a:endParaRPr lang="en-IN"/>
           </a:p>
@@ -3782,7 +3811,7 @@
           <a:p>
             <a:fld id="{5F252D81-0B37-4C5E-94C6-B5F49D111C80}" type="datetimeFigureOut">
               <a:rPr lang="en-IN" smtClean="0"/>
-              <a:t>12-02-2025</a:t>
+              <a:t>18-02-2025</a:t>
             </a:fld>
             <a:endParaRPr lang="en-IN"/>
           </a:p>
@@ -4025,7 +4054,7 @@
           <a:p>
             <a:fld id="{5F252D81-0B37-4C5E-94C6-B5F49D111C80}" type="datetimeFigureOut">
               <a:rPr lang="en-IN" smtClean="0"/>
-              <a:t>12-02-2025</a:t>
+              <a:t>18-02-2025</a:t>
             </a:fld>
             <a:endParaRPr lang="en-IN"/>
           </a:p>
@@ -7026,7 +7055,7 @@
         <p:spPr>
           <a:xfrm>
             <a:off x="1915179" y="4509246"/>
-            <a:ext cx="8005483" cy="646331"/>
+            <a:ext cx="8005483" cy="538609"/>
           </a:xfrm>
           <a:prstGeom prst="rect">
             <a:avLst/>
@@ -7050,9 +7079,16 @@
           </a:p>
           <a:p>
             <a:r>
-              <a:rPr lang="en-IN" dirty="0"/>
-              <a:t>      </a:t>
-            </a:r>
+              <a:rPr lang="en-IN" sz="1100" dirty="0"/>
+              <a:t>         </a:t>
+            </a:r>
+            <a:r>
+              <a:rPr lang="en-IN" sz="1100" dirty="0">
+                <a:hlinkClick r:id="rId7"/>
+              </a:rPr>
+              <a:t>https://github.com/ChemuruLasya/Analysis-Results/blob/main/Starbucks%20Case%20Study%20Analysis/CaseStudy_Analysis.ipynb</a:t>
+            </a:r>
+            <a:endParaRPr lang="en-IN" sz="1100" dirty="0"/>
           </a:p>
         </p:txBody>
       </p:sp>
